--- a/WebFlux-rest-API-Consumer/src/test/java/SchedulerReactive/Scheduler Agenda.pptx
+++ b/WebFlux-rest-API-Consumer/src/test/java/SchedulerReactive/Scheduler Agenda.pptx
@@ -207,7 +207,7 @@
           <a:effectLst/>
           <a:extLst>
             <a:ext uri="{91240B29-F687-4f45-9708-019B960494DF}">
-              <a14:hiddenLine xmlns="" xmlns:a14="http://schemas.microsoft.com/office/drawing/2010/main" w="9525">
+              <a14:hiddenLine xmlns:a14="http://schemas.microsoft.com/office/drawing/2010/main" xmlns="" w="9525">
                 <a:solidFill>
                   <a:srgbClr val="000000"/>
                 </a:solidFill>
@@ -400,7 +400,7 @@
             <a:fld id="{08B9EBBA-996F-894A-B54A-D6246ED52CEA}" type="datetimeFigureOut">
               <a:rPr lang="en-US" dirty="0"/>
               <a:pPr/>
-              <a:t>11/26/20</a:t>
+              <a:t>11/30/20</a:t>
             </a:fld>
             <a:endParaRPr lang="en-US" dirty="0"/>
           </a:p>
@@ -715,7 +715,7 @@
             <a:fld id="{18C79C5D-2A6F-F04D-97DA-BEF2467B64E4}" type="datetimeFigureOut">
               <a:rPr lang="en-US" dirty="0"/>
               <a:pPr/>
-              <a:t>11/26/20</a:t>
+              <a:t>11/30/20</a:t>
             </a:fld>
             <a:endParaRPr lang="en-US" dirty="0"/>
           </a:p>
@@ -1200,7 +1200,7 @@
             <a:fld id="{8DFA1846-DA80-1C48-A609-854EA85C59AD}" type="datetimeFigureOut">
               <a:rPr lang="en-US" dirty="0"/>
               <a:pPr/>
-              <a:t>11/26/20</a:t>
+              <a:t>11/30/20</a:t>
             </a:fld>
             <a:endParaRPr lang="en-US" dirty="0"/>
           </a:p>
@@ -1566,7 +1566,7 @@
             <a:fld id="{FBF54567-0DE4-3F47-BF90-CB84690072F9}" type="datetimeFigureOut">
               <a:rPr lang="en-US" dirty="0"/>
               <a:pPr/>
-              <a:t>11/26/20</a:t>
+              <a:t>11/30/20</a:t>
             </a:fld>
             <a:endParaRPr lang="en-US" dirty="0"/>
           </a:p>
@@ -1717,7 +1717,7 @@
           <a:ln/>
           <a:extLst>
             <a:ext uri="{91240B29-F687-4f45-9708-019B960494DF}">
-              <a14:hiddenLine xmlns="" xmlns:a14="http://schemas.microsoft.com/office/drawing/2010/main" w="9525">
+              <a14:hiddenLine xmlns:a14="http://schemas.microsoft.com/office/drawing/2010/main" xmlns="" w="9525">
                 <a:solidFill>
                   <a:srgbClr val="000000"/>
                 </a:solidFill>
@@ -1836,7 +1836,7 @@
             <a:fld id="{C6C52C72-DE31-F449-A4ED-4C594FD91407}" type="datetimeFigureOut">
               <a:rPr lang="en-US" dirty="0"/>
               <a:pPr/>
-              <a:t>11/26/20</a:t>
+              <a:t>11/30/20</a:t>
             </a:fld>
             <a:endParaRPr lang="en-US" dirty="0"/>
           </a:p>
@@ -1989,7 +1989,7 @@
           <a:ln/>
           <a:extLst>
             <a:ext uri="{91240B29-F687-4f45-9708-019B960494DF}">
-              <a14:hiddenLine xmlns="" xmlns:a14="http://schemas.microsoft.com/office/drawing/2010/main" w="9525">
+              <a14:hiddenLine xmlns:a14="http://schemas.microsoft.com/office/drawing/2010/main" xmlns="" w="9525">
                 <a:solidFill>
                   <a:srgbClr val="000000"/>
                 </a:solidFill>
@@ -2118,7 +2118,7 @@
             <a:fld id="{ED62726E-379B-B349-9EED-81ED093FA806}" type="datetimeFigureOut">
               <a:rPr lang="en-US" dirty="0"/>
               <a:pPr/>
-              <a:t>11/26/20</a:t>
+              <a:t>11/30/20</a:t>
             </a:fld>
             <a:endParaRPr lang="en-US" dirty="0"/>
           </a:p>
@@ -2269,7 +2269,7 @@
           <a:ln/>
           <a:extLst>
             <a:ext uri="{91240B29-F687-4f45-9708-019B960494DF}">
-              <a14:hiddenLine xmlns="" xmlns:a14="http://schemas.microsoft.com/office/drawing/2010/main" w="9525">
+              <a14:hiddenLine xmlns:a14="http://schemas.microsoft.com/office/drawing/2010/main" xmlns="" w="9525">
                 <a:solidFill>
                   <a:srgbClr val="000000"/>
                 </a:solidFill>
@@ -2398,7 +2398,7 @@
             <a:fld id="{9B3A1323-8D79-1946-B0D7-40001CF92E9D}" type="datetimeFigureOut">
               <a:rPr lang="en-US" dirty="0"/>
               <a:pPr/>
-              <a:t>11/26/20</a:t>
+              <a:t>11/30/20</a:t>
             </a:fld>
             <a:endParaRPr lang="en-US" dirty="0"/>
           </a:p>
@@ -2738,7 +2738,7 @@
             <a:fld id="{8DFA1846-DA80-1C48-A609-854EA85C59AD}" type="datetimeFigureOut">
               <a:rPr lang="en-US" dirty="0"/>
               <a:pPr/>
-              <a:t>11/26/20</a:t>
+              <a:t>11/30/20</a:t>
             </a:fld>
             <a:endParaRPr lang="en-US" dirty="0"/>
           </a:p>
@@ -2889,7 +2889,7 @@
           <a:ln/>
           <a:extLst>
             <a:ext uri="{91240B29-F687-4f45-9708-019B960494DF}">
-              <a14:hiddenLine xmlns="" xmlns:a14="http://schemas.microsoft.com/office/drawing/2010/main" w="9525">
+              <a14:hiddenLine xmlns:a14="http://schemas.microsoft.com/office/drawing/2010/main" xmlns="" w="9525">
                 <a:solidFill>
                   <a:srgbClr val="000000"/>
                 </a:solidFill>
@@ -3074,7 +3074,7 @@
             <a:fld id="{57302355-E14B-8545-A8F8-0FE83CC9D524}" type="datetimeFigureOut">
               <a:rPr lang="en-US" dirty="0"/>
               <a:pPr/>
-              <a:t>11/26/20</a:t>
+              <a:t>11/30/20</a:t>
             </a:fld>
             <a:endParaRPr lang="en-US" dirty="0"/>
           </a:p>
@@ -3225,7 +3225,7 @@
           <a:ln/>
           <a:extLst>
             <a:ext uri="{91240B29-F687-4f45-9708-019B960494DF}">
-              <a14:hiddenLine xmlns="" xmlns:a14="http://schemas.microsoft.com/office/drawing/2010/main" w="9525">
+              <a14:hiddenLine xmlns:a14="http://schemas.microsoft.com/office/drawing/2010/main" xmlns="" w="9525">
                 <a:solidFill>
                   <a:srgbClr val="000000"/>
                 </a:solidFill>
@@ -3548,7 +3548,7 @@
             <a:fld id="{02640F58-564D-2B4F-AE67-E407BA4FCF45}" type="datetimeFigureOut">
               <a:rPr lang="en-US" dirty="0"/>
               <a:pPr/>
-              <a:t>11/26/20</a:t>
+              <a:t>11/30/20</a:t>
             </a:fld>
             <a:endParaRPr lang="en-US" dirty="0"/>
           </a:p>
@@ -3699,7 +3699,7 @@
           <a:ln/>
           <a:extLst>
             <a:ext uri="{91240B29-F687-4f45-9708-019B960494DF}">
-              <a14:hiddenLine xmlns="" xmlns:a14="http://schemas.microsoft.com/office/drawing/2010/main" w="9525">
+              <a14:hiddenLine xmlns:a14="http://schemas.microsoft.com/office/drawing/2010/main" xmlns="" w="9525">
                 <a:solidFill>
                   <a:srgbClr val="000000"/>
                 </a:solidFill>
@@ -3766,7 +3766,7 @@
             <a:fld id="{F13A34C8-038E-2045-AF43-DF7DBB8E0E9E}" type="datetimeFigureOut">
               <a:rPr lang="en-US" dirty="0"/>
               <a:pPr/>
-              <a:t>11/26/20</a:t>
+              <a:t>11/30/20</a:t>
             </a:fld>
             <a:endParaRPr lang="en-US" dirty="0"/>
           </a:p>
@@ -3858,7 +3858,7 @@
             <a:fld id="{8818C68F-D26B-8F47-958C-23B49CF8A634}" type="datetimeFigureOut">
               <a:rPr lang="en-US" dirty="0"/>
               <a:pPr/>
-              <a:t>11/26/20</a:t>
+              <a:t>11/30/20</a:t>
             </a:fld>
             <a:endParaRPr lang="en-US" dirty="0"/>
           </a:p>
@@ -4122,7 +4122,7 @@
           <a:ln/>
           <a:extLst>
             <a:ext uri="{91240B29-F687-4f45-9708-019B960494DF}">
-              <a14:hiddenLine xmlns="" xmlns:a14="http://schemas.microsoft.com/office/drawing/2010/main" w="9525">
+              <a14:hiddenLine xmlns:a14="http://schemas.microsoft.com/office/drawing/2010/main" xmlns="" w="9525">
                 <a:solidFill>
                   <a:srgbClr val="000000"/>
                 </a:solidFill>
@@ -4322,7 +4322,7 @@
             <a:fld id="{D0DF5E60-9974-AC48-9591-99C2BB44B7CF}" type="datetimeFigureOut">
               <a:rPr lang="en-US" dirty="0"/>
               <a:pPr/>
-              <a:t>11/26/20</a:t>
+              <a:t>11/30/20</a:t>
             </a:fld>
             <a:endParaRPr lang="en-US" dirty="0"/>
           </a:p>
@@ -4632,7 +4632,7 @@
             <a:fld id="{18C79C5D-2A6F-F04D-97DA-BEF2467B64E4}" type="datetimeFigureOut">
               <a:rPr lang="en-US" dirty="0"/>
               <a:pPr/>
-              <a:t>11/26/20</a:t>
+              <a:t>11/30/20</a:t>
             </a:fld>
             <a:endParaRPr lang="en-US" dirty="0"/>
           </a:p>
@@ -4899,7 +4899,7 @@
             <a:fld id="{09B482E8-6E0E-1B4F-B1FD-C69DB9E858D9}" type="datetimeFigureOut">
               <a:rPr lang="en-US" dirty="0"/>
               <a:pPr/>
-              <a:t>11/26/20</a:t>
+              <a:t>11/30/20</a:t>
             </a:fld>
             <a:endParaRPr lang="en-US" dirty="0"/>
           </a:p>
@@ -5399,55 +5399,50 @@
           <a:p>
             <a:r>
               <a:rPr lang="en-US" sz="2400" dirty="0" smtClean="0"/>
-              <a:t>The schedulers abstraction (</a:t>
+              <a:t>The schedulers abstraction (Schedulers abstraction provided by Webflux</a:t>
             </a:r>
             <a:r>
               <a:rPr lang="en-US" sz="2400" dirty="0" smtClean="0"/>
-              <a:t>Schedulers abstraction </a:t>
+              <a:t>)</a:t>
+            </a:r>
+            <a:endParaRPr lang="en-US" sz="2400" dirty="0" smtClean="0"/>
+          </a:p>
+          <a:p>
+            <a:r>
+              <a:rPr lang="en-US" sz="2400" dirty="0"/>
+              <a:t>Switching execution context </a:t>
             </a:r>
             <a:r>
               <a:rPr lang="en-US" sz="2400" dirty="0" smtClean="0"/>
-              <a:t>provided by Webflux)</a:t>
-            </a:r>
-          </a:p>
-          <a:p>
-            <a:r>
-              <a:rPr lang="en-US" sz="2400" dirty="0" smtClean="0"/>
-              <a:t>Switching execution context</a:t>
-            </a:r>
-          </a:p>
-          <a:p>
+              <a:t>using </a:t>
+            </a:r>
             <a:r>
               <a:rPr lang="en-US" sz="2400" dirty="0" err="1" smtClean="0"/>
               <a:t>subscribeOn</a:t>
             </a:r>
             <a:r>
               <a:rPr lang="en-US" sz="2400" dirty="0" smtClean="0"/>
-              <a:t> vs </a:t>
-            </a:r>
-            <a:r>
-              <a:rPr lang="en-US" sz="2400" dirty="0" err="1"/>
+              <a:t> </a:t>
+            </a:r>
+            <a:r>
+              <a:rPr lang="en-US" sz="2400" dirty="0" smtClean="0"/>
+              <a:t>vs </a:t>
+            </a:r>
+            <a:r>
+              <a:rPr lang="en-US" sz="2400" dirty="0"/>
               <a:t>p</a:t>
             </a:r>
             <a:r>
-              <a:rPr lang="en-US" sz="2400" dirty="0" err="1" smtClean="0"/>
-              <a:t>ublishOn</a:t>
-            </a:r>
-            <a:r>
               <a:rPr lang="en-US" sz="2400" dirty="0" smtClean="0"/>
-              <a:t> vs </a:t>
-            </a:r>
-            <a:r>
-              <a:rPr lang="en-US" sz="2400" dirty="0" err="1"/>
+              <a:t>ublishOn vs </a:t>
+            </a:r>
+            <a:r>
+              <a:rPr lang="en-US" sz="2400" dirty="0"/>
               <a:t>R</a:t>
             </a:r>
             <a:r>
-              <a:rPr lang="en-US" sz="2400" dirty="0" err="1" smtClean="0"/>
-              <a:t>unOn</a:t>
-            </a:r>
-            <a:r>
               <a:rPr lang="en-US" sz="2400" dirty="0" smtClean="0"/>
-              <a:t> operator.</a:t>
+              <a:t>unOn operator.</a:t>
             </a:r>
             <a:endParaRPr lang="en-US" sz="2400" dirty="0"/>
           </a:p>
